--- a/slides/Portable and Performant GPU_dec1.pptx
+++ b/slides/Portable and Performant GPU_dec1.pptx
@@ -7,6 +7,9 @@
   <p:notesMasterIdLst>
     <p:notesMasterId r:id="rId45"/>
   </p:notesMasterIdLst>
+  <p:handoutMasterIdLst>
+    <p:handoutMasterId r:id="rId46"/>
+  </p:handoutMasterIdLst>
   <p:sldIdLst>
     <p:sldId id="256" r:id="rId2"/>
     <p:sldId id="257" r:id="rId3"/>
@@ -53,7 +56,7 @@
     <p:sldId id="292" r:id="rId44"/>
   </p:sldIdLst>
   <p:sldSz cx="12192000" cy="6858000"/>
-  <p:notesSz cx="6858000" cy="9144000"/>
+  <p:notesSz cx="9296400" cy="7010400"/>
   <p:defaultTextStyle>
     <a:defPPr>
       <a:defRPr lang="en-US"/>
@@ -3069,6 +3072,195 @@
 </dgm:styleDef>
 </file>
 
+<file path=ppt/handoutMasters/handoutMaster1.xml><?xml version="1.0" encoding="utf-8"?>
+<p:handoutMaster xmlns:a="http://schemas.openxmlformats.org/drawingml/2006/main" xmlns:r="http://schemas.openxmlformats.org/officeDocument/2006/relationships" xmlns:p="http://schemas.openxmlformats.org/presentationml/2006/main">
+  <p:cSld>
+    <p:bg>
+      <p:bgRef idx="1001">
+        <a:schemeClr val="bg1"/>
+      </p:bgRef>
+    </p:bg>
+    <p:spTree>
+      <p:nvGrpSpPr>
+        <p:cNvPr id="1" name=""/>
+        <p:cNvGrpSpPr/>
+        <p:nvPr/>
+      </p:nvGrpSpPr>
+      <p:grpSpPr>
+        <a:xfrm>
+          <a:off x="0" y="0"/>
+          <a:ext cx="0" cy="0"/>
+          <a:chOff x="0" y="0"/>
+          <a:chExt cx="0" cy="0"/>
+        </a:xfrm>
+      </p:grpSpPr>
+      <p:sp>
+        <p:nvSpPr>
+          <p:cNvPr id="2" name="Header Placeholder 1">
+            <a:extLst>
+              <a:ext uri="{FF2B5EF4-FFF2-40B4-BE49-F238E27FC236}">
+                <a16:creationId xmlns:a16="http://schemas.microsoft.com/office/drawing/2014/main" id="{15175BC3-C292-4BDF-9662-DB2CC8E86834}"/>
+              </a:ext>
+            </a:extLst>
+          </p:cNvPr>
+          <p:cNvSpPr>
+            <a:spLocks noGrp="1"/>
+          </p:cNvSpPr>
+          <p:nvPr>
+            <p:ph type="hdr" sz="quarter"/>
+          </p:nvPr>
+        </p:nvSpPr>
+        <p:spPr>
+          <a:xfrm>
+            <a:off x="0" y="1"/>
+            <a:ext cx="4028440" cy="351737"/>
+          </a:xfrm>
+          <a:prstGeom prst="rect">
+            <a:avLst/>
+          </a:prstGeom>
+        </p:spPr>
+        <p:txBody>
+          <a:bodyPr vert="horz" lIns="93177" tIns="46589" rIns="93177" bIns="46589" rtlCol="0"/>
+          <a:lstStyle>
+            <a:lvl1pPr algn="l">
+              <a:defRPr sz="1200"/>
+            </a:lvl1pPr>
+          </a:lstStyle>
+          <a:p>
+            <a:endParaRPr lang="en-US"/>
+          </a:p>
+        </p:txBody>
+      </p:sp>
+      <p:sp>
+        <p:nvSpPr>
+          <p:cNvPr id="3" name="Date Placeholder 2">
+            <a:extLst>
+              <a:ext uri="{FF2B5EF4-FFF2-40B4-BE49-F238E27FC236}">
+                <a16:creationId xmlns:a16="http://schemas.microsoft.com/office/drawing/2014/main" id="{C6CE3B3E-4AB9-4FFA-8C6A-8F2715A2B736}"/>
+              </a:ext>
+            </a:extLst>
+          </p:cNvPr>
+          <p:cNvSpPr>
+            <a:spLocks noGrp="1"/>
+          </p:cNvSpPr>
+          <p:nvPr>
+            <p:ph type="dt" sz="quarter" idx="1"/>
+          </p:nvPr>
+        </p:nvSpPr>
+        <p:spPr>
+          <a:xfrm>
+            <a:off x="5265809" y="1"/>
+            <a:ext cx="4028440" cy="351737"/>
+          </a:xfrm>
+          <a:prstGeom prst="rect">
+            <a:avLst/>
+          </a:prstGeom>
+        </p:spPr>
+        <p:txBody>
+          <a:bodyPr vert="horz" lIns="93177" tIns="46589" rIns="93177" bIns="46589" rtlCol="0"/>
+          <a:lstStyle>
+            <a:lvl1pPr algn="r">
+              <a:defRPr sz="1200"/>
+            </a:lvl1pPr>
+          </a:lstStyle>
+          <a:p>
+            <a:fld id="{0E284074-47A6-456F-A4FA-0C4A58E4C814}" type="datetimeFigureOut">
+              <a:rPr lang="en-US" smtClean="0"/>
+              <a:t>12/1/2017</a:t>
+            </a:fld>
+            <a:endParaRPr lang="en-US"/>
+          </a:p>
+        </p:txBody>
+      </p:sp>
+      <p:sp>
+        <p:nvSpPr>
+          <p:cNvPr id="4" name="Footer Placeholder 3">
+            <a:extLst>
+              <a:ext uri="{FF2B5EF4-FFF2-40B4-BE49-F238E27FC236}">
+                <a16:creationId xmlns:a16="http://schemas.microsoft.com/office/drawing/2014/main" id="{53BF737A-43D9-41A1-AA5B-8F83E8870B5F}"/>
+              </a:ext>
+            </a:extLst>
+          </p:cNvPr>
+          <p:cNvSpPr>
+            <a:spLocks noGrp="1"/>
+          </p:cNvSpPr>
+          <p:nvPr>
+            <p:ph type="ftr" sz="quarter" idx="2"/>
+          </p:nvPr>
+        </p:nvSpPr>
+        <p:spPr>
+          <a:xfrm>
+            <a:off x="0" y="6658664"/>
+            <a:ext cx="4028440" cy="351736"/>
+          </a:xfrm>
+          <a:prstGeom prst="rect">
+            <a:avLst/>
+          </a:prstGeom>
+        </p:spPr>
+        <p:txBody>
+          <a:bodyPr vert="horz" lIns="93177" tIns="46589" rIns="93177" bIns="46589" rtlCol="0" anchor="b"/>
+          <a:lstStyle>
+            <a:lvl1pPr algn="l">
+              <a:defRPr sz="1200"/>
+            </a:lvl1pPr>
+          </a:lstStyle>
+          <a:p>
+            <a:endParaRPr lang="en-US"/>
+          </a:p>
+        </p:txBody>
+      </p:sp>
+      <p:sp>
+        <p:nvSpPr>
+          <p:cNvPr id="5" name="Slide Number Placeholder 4">
+            <a:extLst>
+              <a:ext uri="{FF2B5EF4-FFF2-40B4-BE49-F238E27FC236}">
+                <a16:creationId xmlns:a16="http://schemas.microsoft.com/office/drawing/2014/main" id="{F22EF02A-8722-45FA-82B0-6E774365CEBB}"/>
+              </a:ext>
+            </a:extLst>
+          </p:cNvPr>
+          <p:cNvSpPr>
+            <a:spLocks noGrp="1"/>
+          </p:cNvSpPr>
+          <p:nvPr>
+            <p:ph type="sldNum" sz="quarter" idx="3"/>
+          </p:nvPr>
+        </p:nvSpPr>
+        <p:spPr>
+          <a:xfrm>
+            <a:off x="5265809" y="6658664"/>
+            <a:ext cx="4028440" cy="351736"/>
+          </a:xfrm>
+          <a:prstGeom prst="rect">
+            <a:avLst/>
+          </a:prstGeom>
+        </p:spPr>
+        <p:txBody>
+          <a:bodyPr vert="horz" lIns="93177" tIns="46589" rIns="93177" bIns="46589" rtlCol="0" anchor="b"/>
+          <a:lstStyle>
+            <a:lvl1pPr algn="r">
+              <a:defRPr sz="1200"/>
+            </a:lvl1pPr>
+          </a:lstStyle>
+          <a:p>
+            <a:fld id="{3F56C2EE-285F-4B5E-9298-95432E08D440}" type="slidenum">
+              <a:rPr lang="en-US" smtClean="0"/>
+              <a:t>‹#›</a:t>
+            </a:fld>
+            <a:endParaRPr lang="en-US"/>
+          </a:p>
+        </p:txBody>
+      </p:sp>
+    </p:spTree>
+    <p:extLst>
+      <p:ext uri="{BB962C8B-B14F-4D97-AF65-F5344CB8AC3E}">
+        <p14:creationId xmlns:p14="http://schemas.microsoft.com/office/powerpoint/2010/main" val="206145499"/>
+      </p:ext>
+    </p:extLst>
+  </p:cSld>
+  <p:clrMap bg1="lt1" tx1="dk1" bg2="lt2" tx2="dk2" accent1="accent1" accent2="accent2" accent3="accent3" accent4="accent4" accent5="accent5" accent6="accent6" hlink="hlink" folHlink="folHlink"/>
+</p:handoutMaster>
+</file>
+
 <file path=ppt/notesMasters/notesMaster1.xml><?xml version="1.0" encoding="utf-8"?>
 <p:notesMaster xmlns:a="http://schemas.openxmlformats.org/drawingml/2006/main" xmlns:r="http://schemas.openxmlformats.org/officeDocument/2006/relationships" xmlns:p="http://schemas.openxmlformats.org/presentationml/2006/main">
   <p:cSld>
@@ -3103,15 +3295,15 @@
         </p:nvSpPr>
         <p:spPr>
           <a:xfrm>
-            <a:off x="0" y="0"/>
-            <a:ext cx="2971800" cy="458788"/>
+            <a:off x="0" y="1"/>
+            <a:ext cx="4028440" cy="351737"/>
           </a:xfrm>
           <a:prstGeom prst="rect">
             <a:avLst/>
           </a:prstGeom>
         </p:spPr>
         <p:txBody>
-          <a:bodyPr vert="horz" lIns="91440" tIns="45720" rIns="91440" bIns="45720" rtlCol="0"/>
+          <a:bodyPr vert="horz" lIns="93177" tIns="46589" rIns="93177" bIns="46589" rtlCol="0"/>
           <a:lstStyle>
             <a:lvl1pPr algn="l">
               <a:defRPr sz="1200"/>
@@ -3134,15 +3326,15 @@
         </p:nvSpPr>
         <p:spPr>
           <a:xfrm>
-            <a:off x="3884613" y="0"/>
-            <a:ext cx="2971800" cy="458788"/>
+            <a:off x="5265809" y="1"/>
+            <a:ext cx="4028440" cy="351737"/>
           </a:xfrm>
           <a:prstGeom prst="rect">
             <a:avLst/>
           </a:prstGeom>
         </p:spPr>
         <p:txBody>
-          <a:bodyPr vert="horz" lIns="91440" tIns="45720" rIns="91440" bIns="45720" rtlCol="0"/>
+          <a:bodyPr vert="horz" lIns="93177" tIns="46589" rIns="93177" bIns="46589" rtlCol="0"/>
           <a:lstStyle>
             <a:lvl1pPr algn="r">
               <a:defRPr sz="1200"/>
@@ -3169,8 +3361,8 @@
         </p:nvSpPr>
         <p:spPr>
           <a:xfrm>
-            <a:off x="685800" y="1143000"/>
-            <a:ext cx="5486400" cy="3086100"/>
+            <a:off x="2546350" y="876300"/>
+            <a:ext cx="4203700" cy="2365375"/>
           </a:xfrm>
           <a:prstGeom prst="rect">
             <a:avLst/>
@@ -3183,7 +3375,7 @@
           </a:ln>
         </p:spPr>
         <p:txBody>
-          <a:bodyPr vert="horz" lIns="91440" tIns="45720" rIns="91440" bIns="45720" rtlCol="0" anchor="ctr"/>
+          <a:bodyPr vert="horz" lIns="93177" tIns="46589" rIns="93177" bIns="46589" rtlCol="0" anchor="ctr"/>
           <a:lstStyle/>
           <a:p>
             <a:endParaRPr lang="en-US"/>
@@ -3202,15 +3394,15 @@
         </p:nvSpPr>
         <p:spPr>
           <a:xfrm>
-            <a:off x="685800" y="4400550"/>
-            <a:ext cx="5486400" cy="3600450"/>
+            <a:off x="929640" y="3373754"/>
+            <a:ext cx="7437120" cy="2760346"/>
           </a:xfrm>
           <a:prstGeom prst="rect">
             <a:avLst/>
           </a:prstGeom>
         </p:spPr>
         <p:txBody>
-          <a:bodyPr vert="horz" lIns="91440" tIns="45720" rIns="91440" bIns="45720" rtlCol="0"/>
+          <a:bodyPr vert="horz" lIns="93177" tIns="46589" rIns="93177" bIns="46589" rtlCol="0"/>
           <a:lstStyle/>
           <a:p>
             <a:pPr lvl="0"/>
@@ -3261,15 +3453,15 @@
         </p:nvSpPr>
         <p:spPr>
           <a:xfrm>
-            <a:off x="0" y="8685213"/>
-            <a:ext cx="2971800" cy="458787"/>
+            <a:off x="0" y="6658664"/>
+            <a:ext cx="4028440" cy="351736"/>
           </a:xfrm>
           <a:prstGeom prst="rect">
             <a:avLst/>
           </a:prstGeom>
         </p:spPr>
         <p:txBody>
-          <a:bodyPr vert="horz" lIns="91440" tIns="45720" rIns="91440" bIns="45720" rtlCol="0" anchor="b"/>
+          <a:bodyPr vert="horz" lIns="93177" tIns="46589" rIns="93177" bIns="46589" rtlCol="0" anchor="b"/>
           <a:lstStyle>
             <a:lvl1pPr algn="l">
               <a:defRPr sz="1200"/>
@@ -3292,15 +3484,15 @@
         </p:nvSpPr>
         <p:spPr>
           <a:xfrm>
-            <a:off x="3884613" y="8685213"/>
-            <a:ext cx="2971800" cy="458787"/>
+            <a:off x="5265809" y="6658664"/>
+            <a:ext cx="4028440" cy="351736"/>
           </a:xfrm>
           <a:prstGeom prst="rect">
             <a:avLst/>
           </a:prstGeom>
         </p:spPr>
         <p:txBody>
-          <a:bodyPr vert="horz" lIns="91440" tIns="45720" rIns="91440" bIns="45720" rtlCol="0" anchor="b"/>
+          <a:bodyPr vert="horz" lIns="93177" tIns="46589" rIns="93177" bIns="46589" rtlCol="0" anchor="b"/>
           <a:lstStyle>
             <a:lvl1pPr algn="r">
               <a:defRPr sz="1200"/>
@@ -3447,8 +3639,8 @@
         </p:nvSpPr>
         <p:spPr>
           <a:xfrm>
-            <a:off x="381000" y="685800"/>
-            <a:ext cx="6096000" cy="3429000"/>
+            <a:off x="2311400" y="525463"/>
+            <a:ext cx="4673600" cy="2628900"/>
           </a:xfrm>
         </p:spPr>
       </p:sp>
@@ -3483,8 +3675,8 @@
         </p:nvSpPr>
         <p:spPr>
           <a:xfrm>
-            <a:off x="4021294" y="9721106"/>
-            <a:ext cx="3076363" cy="511731"/>
+            <a:off x="5451088" y="7452848"/>
+            <a:ext cx="4170181" cy="392327"/>
           </a:xfrm>
           <a:prstGeom prst="rect">
             <a:avLst/>
@@ -3864,8 +4056,8 @@
         </p:nvSpPr>
         <p:spPr>
           <a:xfrm>
-            <a:off x="381000" y="685800"/>
-            <a:ext cx="6096000" cy="3429000"/>
+            <a:off x="2311400" y="525463"/>
+            <a:ext cx="4673600" cy="2628900"/>
           </a:xfrm>
         </p:spPr>
       </p:sp>
@@ -3900,8 +4092,8 @@
         </p:nvSpPr>
         <p:spPr>
           <a:xfrm>
-            <a:off x="4021294" y="9721106"/>
-            <a:ext cx="3076363" cy="511731"/>
+            <a:off x="5451088" y="7452848"/>
+            <a:ext cx="4170181" cy="392327"/>
           </a:xfrm>
           <a:prstGeom prst="rect">
             <a:avLst/>
@@ -4159,8 +4351,8 @@
         </p:nvSpPr>
         <p:spPr>
           <a:xfrm>
-            <a:off x="850680" y="4695120"/>
-            <a:ext cx="6807240" cy="4448160"/>
+            <a:off x="1153144" y="3599592"/>
+            <a:ext cx="9227592" cy="3410256"/>
           </a:xfrm>
           <a:prstGeom prst="rect">
             <a:avLst/>
@@ -10740,17 +10932,8 @@
               <a:rPr lang="en-US" sz="2000" dirty="0">
                 <a:latin typeface="Avenir Book"/>
               </a:rPr>
-              <a:t>Data store copies added to large overhead for </a:t>
-            </a:r>
-            <a:r>
-              <a:rPr lang="en-US" sz="2000">
-                <a:latin typeface="Avenir Book"/>
-              </a:rPr>
-              <a:t>short-lived tasks</a:t>
-            </a:r>
-            <a:endParaRPr lang="en-US" sz="2000" dirty="0">
-              <a:latin typeface="Avenir Book"/>
-            </a:endParaRPr>
+              <a:t>Data store copies added to large overhead for short-lived tasks</a:t>
+            </a:r>
           </a:p>
         </p:txBody>
       </p:sp>
@@ -16943,8 +17126,8 @@
         </p:blipFill>
         <p:spPr>
           <a:xfrm>
-            <a:off x="327378" y="2227094"/>
-            <a:ext cx="6497172" cy="3863702"/>
+            <a:off x="327378" y="2191657"/>
+            <a:ext cx="6117435" cy="3637882"/>
           </a:xfrm>
           <a:prstGeom prst="rect">
             <a:avLst/>
@@ -16967,7 +17150,7 @@
         </p:nvSpPr>
         <p:spPr>
           <a:xfrm>
-            <a:off x="6933205" y="3622312"/>
+            <a:off x="6599904" y="4756272"/>
             <a:ext cx="4676006" cy="1073267"/>
           </a:xfrm>
           <a:prstGeom prst="rect">
@@ -17147,13 +17330,22 @@
               <a:buNone/>
             </a:pPr>
             <a:r>
+              <a:rPr lang="en-US" sz="2400" b="1" dirty="0">
+                <a:solidFill>
+                  <a:srgbClr val="0070C0"/>
+                </a:solidFill>
+                <a:latin typeface="Avenir Book"/>
+              </a:rPr>
+              <a:t>Results of </a:t>
+            </a:r>
+            <a:r>
               <a:rPr lang="en-US" sz="2400" b="1" dirty="0" err="1">
                 <a:solidFill>
                   <a:srgbClr val="0070C0"/>
                 </a:solidFill>
                 <a:latin typeface="Avenir Book"/>
               </a:rPr>
-              <a:t>Functors</a:t>
+              <a:t>Kokkos</a:t>
             </a:r>
             <a:r>
               <a:rPr lang="en-US" sz="2400" b="1" dirty="0">
@@ -17162,7 +17354,77 @@
                 </a:solidFill>
                 <a:latin typeface="Avenir Book"/>
               </a:rPr>
-              <a:t> in Constant Cache give best performance when many streams are used!</a:t>
+              <a:t> modifications:</a:t>
+            </a:r>
+            <a:br>
+              <a:rPr lang="en-US" sz="2400" b="1" dirty="0">
+                <a:solidFill>
+                  <a:srgbClr val="0070C0"/>
+                </a:solidFill>
+                <a:latin typeface="Avenir Book"/>
+              </a:rPr>
+            </a:br>
+            <a:r>
+              <a:rPr lang="en-US" sz="2400" b="1" dirty="0">
+                <a:solidFill>
+                  <a:srgbClr val="0070C0"/>
+                </a:solidFill>
+                <a:latin typeface="Avenir Book"/>
+              </a:rPr>
+              <a:t>Blue is </a:t>
+            </a:r>
+            <a:r>
+              <a:rPr lang="en-US" sz="2400" b="1" dirty="0" err="1">
+                <a:solidFill>
+                  <a:srgbClr val="0070C0"/>
+                </a:solidFill>
+                <a:latin typeface="Avenir Book"/>
+              </a:rPr>
+              <a:t>Kokkos</a:t>
+            </a:r>
+            <a:r>
+              <a:rPr lang="en-US" sz="2400" b="1" dirty="0">
+                <a:solidFill>
+                  <a:srgbClr val="0070C0"/>
+                </a:solidFill>
+                <a:latin typeface="Avenir Book"/>
+              </a:rPr>
+              <a:t>::</a:t>
+            </a:r>
+            <a:r>
+              <a:rPr lang="en-US" sz="2400" b="1" dirty="0" err="1">
+                <a:solidFill>
+                  <a:srgbClr val="0070C0"/>
+                </a:solidFill>
+                <a:latin typeface="Avenir Book"/>
+              </a:rPr>
+              <a:t>parallel_for</a:t>
+            </a:r>
+            <a:r>
+              <a:rPr lang="en-US" sz="2400" b="1" dirty="0">
+                <a:solidFill>
+                  <a:srgbClr val="0070C0"/>
+                </a:solidFill>
+                <a:latin typeface="Avenir Book"/>
+              </a:rPr>
+              <a:t> </a:t>
+            </a:r>
+            <a:br>
+              <a:rPr lang="en-US" sz="2400" b="1" dirty="0">
+                <a:solidFill>
+                  <a:srgbClr val="0070C0"/>
+                </a:solidFill>
+                <a:latin typeface="Avenir Book"/>
+              </a:rPr>
+            </a:br>
+            <a:r>
+              <a:rPr lang="en-US" sz="2400" b="1" dirty="0">
+                <a:solidFill>
+                  <a:srgbClr val="0070C0"/>
+                </a:solidFill>
+                <a:latin typeface="Avenir Book"/>
+              </a:rPr>
+              <a:t>Purple is equivalent CUDA code</a:t>
             </a:r>
             <a:endParaRPr lang="en-US" b="1" dirty="0">
               <a:solidFill>
@@ -17173,6 +17435,42 @@
           </a:p>
         </p:txBody>
       </p:sp>
+      <p:pic>
+        <p:nvPicPr>
+          <p:cNvPr id="9" name="Picture 8">
+            <a:extLst>
+              <a:ext uri="{FF2B5EF4-FFF2-40B4-BE49-F238E27FC236}">
+                <a16:creationId xmlns:a16="http://schemas.microsoft.com/office/drawing/2014/main" id="{75CD8109-519D-455E-90F0-141598946A97}"/>
+              </a:ext>
+            </a:extLst>
+          </p:cNvPr>
+          <p:cNvPicPr>
+            <a:picLocks noChangeAspect="1"/>
+          </p:cNvPicPr>
+          <p:nvPr/>
+        </p:nvPicPr>
+        <p:blipFill>
+          <a:blip r:embed="rId4">
+            <a:extLst>
+              <a:ext uri="{28A0092B-C50C-407E-A947-70E740481C1C}">
+                <a14:useLocalDpi xmlns:a14="http://schemas.microsoft.com/office/drawing/2010/main" val="0"/>
+              </a:ext>
+            </a:extLst>
+          </a:blip>
+          <a:stretch>
+            <a:fillRect/>
+          </a:stretch>
+        </p:blipFill>
+        <p:spPr>
+          <a:xfrm>
+            <a:off x="6375259" y="2239911"/>
+            <a:ext cx="5125297" cy="2378178"/>
+          </a:xfrm>
+          <a:prstGeom prst="rect">
+            <a:avLst/>
+          </a:prstGeom>
+        </p:spPr>
+      </p:pic>
     </p:spTree>
     <p:extLst>
       <p:ext uri="{BB962C8B-B14F-4D97-AF65-F5344CB8AC3E}">
@@ -17283,83 +17581,27 @@
               <a:rPr lang="en-US" dirty="0">
                 <a:latin typeface="Avenir Book"/>
               </a:rPr>
-              <a:t>Blue is </a:t>
-            </a:r>
-            <a:r>
-              <a:rPr lang="en-US" sz="2200" dirty="0" err="1">
-                <a:latin typeface="Lucida Console" panose="020B0609040504020204" pitchFamily="49" charset="0"/>
-              </a:rPr>
-              <a:t>Kokkos</a:t>
-            </a:r>
-            <a:r>
-              <a:rPr lang="en-US" sz="2200" dirty="0">
-                <a:latin typeface="Lucida Console" panose="020B0609040504020204" pitchFamily="49" charset="0"/>
-              </a:rPr>
-              <a:t>::</a:t>
-            </a:r>
-            <a:r>
-              <a:rPr lang="en-US" sz="2200" dirty="0" err="1">
-                <a:latin typeface="Lucida Console" panose="020B0609040504020204" pitchFamily="49" charset="0"/>
-              </a:rPr>
-              <a:t>parallel_for</a:t>
+              <a:t>Using constant cache memory for </a:t>
+            </a:r>
+            <a:r>
+              <a:rPr lang="en-US" dirty="0" err="1">
+                <a:latin typeface="Avenir Book"/>
+              </a:rPr>
+              <a:t>functors</a:t>
             </a:r>
             <a:r>
               <a:rPr lang="en-US" dirty="0">
                 <a:latin typeface="Avenir Book"/>
               </a:rPr>
-              <a:t> loops using </a:t>
-            </a:r>
-            <a:r>
-              <a:rPr lang="en-US" dirty="0" err="1">
-                <a:latin typeface="Avenir Book"/>
-              </a:rPr>
-              <a:t>Kokkos</a:t>
-            </a:r>
+              <a:t> is ideal for overlapping kernels</a:t>
+            </a:r>
+          </a:p>
+          <a:p>
             <a:r>
               <a:rPr lang="en-US" dirty="0">
                 <a:latin typeface="Avenir Book"/>
               </a:rPr>
-              <a:t> </a:t>
-            </a:r>
-            <a:r>
-              <a:rPr lang="en-US" dirty="0" err="1">
-                <a:latin typeface="Avenir Book"/>
-              </a:rPr>
-              <a:t>Cuda</a:t>
-            </a:r>
-            <a:r>
-              <a:rPr lang="en-US" dirty="0">
-                <a:latin typeface="Avenir Book"/>
-              </a:rPr>
-              <a:t> Instances.</a:t>
-            </a:r>
-          </a:p>
-          <a:p>
-            <a:r>
-              <a:rPr lang="en-US" dirty="0">
-                <a:latin typeface="Avenir Book"/>
-              </a:rPr>
-              <a:t>Purple is CUDA code using CUDA streams (both code sets use same logic).</a:t>
-            </a:r>
-          </a:p>
-          <a:p>
-            <a:r>
-              <a:rPr lang="en-US" dirty="0">
-                <a:latin typeface="Avenir Book"/>
-              </a:rPr>
-              <a:t>Both are executing on 4 streams and 4 different kernels/</a:t>
-            </a:r>
-            <a:r>
-              <a:rPr lang="en-US" dirty="0" err="1">
-                <a:latin typeface="Avenir Book"/>
-              </a:rPr>
-              <a:t>functors</a:t>
-            </a:r>
-            <a:r>
-              <a:rPr lang="en-US" dirty="0">
-                <a:latin typeface="Avenir Book"/>
-              </a:rPr>
-              <a:t>.</a:t>
+              <a:t>To the best of my knowledge, nobody has observed this before.</a:t>
             </a:r>
           </a:p>
           <a:p>
@@ -17401,10 +17643,10 @@
       </p:sp>
       <p:pic>
         <p:nvPicPr>
-          <p:cNvPr id="5" name="Picture 4">
+          <p:cNvPr id="6" name="Picture 5" descr="A screenshot of a computer&#10;&#10;Description generated with very high confidence">
             <a:extLst>
               <a:ext uri="{FF2B5EF4-FFF2-40B4-BE49-F238E27FC236}">
-                <a16:creationId xmlns:a16="http://schemas.microsoft.com/office/drawing/2014/main" id="{A2D05798-24D1-4826-AD0E-56899D46F989}"/>
+                <a16:creationId xmlns:a16="http://schemas.microsoft.com/office/drawing/2014/main" id="{6B6F6E27-21FB-48AF-9799-FA56BB377090}"/>
               </a:ext>
             </a:extLst>
           </p:cNvPr>
@@ -17427,14 +17669,506 @@
         </p:blipFill>
         <p:spPr>
           <a:xfrm>
-            <a:off x="2085863" y="2172954"/>
-            <a:ext cx="7574184" cy="3514481"/>
+            <a:off x="461392" y="2784856"/>
+            <a:ext cx="5591087" cy="1540401"/>
           </a:xfrm>
           <a:prstGeom prst="rect">
             <a:avLst/>
           </a:prstGeom>
         </p:spPr>
       </p:pic>
+      <p:pic>
+        <p:nvPicPr>
+          <p:cNvPr id="7" name="Picture 6" descr="A screenshot of a computer&#10;&#10;Description generated with very high confidence">
+            <a:extLst>
+              <a:ext uri="{FF2B5EF4-FFF2-40B4-BE49-F238E27FC236}">
+                <a16:creationId xmlns:a16="http://schemas.microsoft.com/office/drawing/2014/main" id="{23FA73ED-A9F1-4634-B1B0-3492105B85C2}"/>
+              </a:ext>
+            </a:extLst>
+          </p:cNvPr>
+          <p:cNvPicPr>
+            <a:picLocks noChangeAspect="1"/>
+          </p:cNvPicPr>
+          <p:nvPr/>
+        </p:nvPicPr>
+        <p:blipFill>
+          <a:blip r:embed="rId3">
+            <a:extLst>
+              <a:ext uri="{28A0092B-C50C-407E-A947-70E740481C1C}">
+                <a14:useLocalDpi xmlns:a14="http://schemas.microsoft.com/office/drawing/2010/main" val="0"/>
+              </a:ext>
+            </a:extLst>
+          </a:blip>
+          <a:stretch>
+            <a:fillRect/>
+          </a:stretch>
+        </p:blipFill>
+        <p:spPr>
+          <a:xfrm>
+            <a:off x="6368706" y="2781354"/>
+            <a:ext cx="5591087" cy="1543903"/>
+          </a:xfrm>
+          <a:prstGeom prst="rect">
+            <a:avLst/>
+          </a:prstGeom>
+        </p:spPr>
+      </p:pic>
+      <p:sp>
+        <p:nvSpPr>
+          <p:cNvPr id="8" name="Content Placeholder 2">
+            <a:extLst>
+              <a:ext uri="{FF2B5EF4-FFF2-40B4-BE49-F238E27FC236}">
+                <a16:creationId xmlns:a16="http://schemas.microsoft.com/office/drawing/2014/main" id="{C114E9AD-74EF-4B8A-A733-4B2DC5993016}"/>
+              </a:ext>
+            </a:extLst>
+          </p:cNvPr>
+          <p:cNvSpPr txBox="1">
+            <a:spLocks/>
+          </p:cNvSpPr>
+          <p:nvPr/>
+        </p:nvSpPr>
+        <p:spPr>
+          <a:xfrm>
+            <a:off x="855644" y="4553922"/>
+            <a:ext cx="4802581" cy="883069"/>
+          </a:xfrm>
+          <a:prstGeom prst="rect">
+            <a:avLst/>
+          </a:prstGeom>
+        </p:spPr>
+        <p:txBody>
+          <a:bodyPr vert="horz" lIns="91440" tIns="45720" rIns="91440" bIns="45720" rtlCol="0">
+            <a:noAutofit/>
+          </a:bodyPr>
+          <a:lstStyle>
+            <a:lvl1pPr marL="228600" indent="-228600" algn="l" defTabSz="914400" rtl="0" eaLnBrk="1" latinLnBrk="0" hangingPunct="1">
+              <a:lnSpc>
+                <a:spcPct val="90000"/>
+              </a:lnSpc>
+              <a:spcBef>
+                <a:spcPts val="1000"/>
+              </a:spcBef>
+              <a:buFont typeface="Arial" panose="020B0604020202020204" pitchFamily="34" charset="0"/>
+              <a:buChar char="•"/>
+              <a:defRPr sz="2800" kern="1200">
+                <a:solidFill>
+                  <a:schemeClr val="tx1"/>
+                </a:solidFill>
+                <a:latin typeface="+mn-lt"/>
+                <a:ea typeface="+mn-ea"/>
+                <a:cs typeface="+mn-cs"/>
+              </a:defRPr>
+            </a:lvl1pPr>
+            <a:lvl2pPr marL="685800" indent="-228600" algn="l" defTabSz="914400" rtl="0" eaLnBrk="1" latinLnBrk="0" hangingPunct="1">
+              <a:lnSpc>
+                <a:spcPct val="90000"/>
+              </a:lnSpc>
+              <a:spcBef>
+                <a:spcPts val="500"/>
+              </a:spcBef>
+              <a:buFont typeface="Arial" panose="020B0604020202020204" pitchFamily="34" charset="0"/>
+              <a:buChar char="•"/>
+              <a:defRPr sz="2400" kern="1200">
+                <a:solidFill>
+                  <a:schemeClr val="tx1"/>
+                </a:solidFill>
+                <a:latin typeface="+mn-lt"/>
+                <a:ea typeface="+mn-ea"/>
+                <a:cs typeface="+mn-cs"/>
+              </a:defRPr>
+            </a:lvl2pPr>
+            <a:lvl3pPr marL="1143000" indent="-228600" algn="l" defTabSz="914400" rtl="0" eaLnBrk="1" latinLnBrk="0" hangingPunct="1">
+              <a:lnSpc>
+                <a:spcPct val="90000"/>
+              </a:lnSpc>
+              <a:spcBef>
+                <a:spcPts val="500"/>
+              </a:spcBef>
+              <a:buFont typeface="Arial" panose="020B0604020202020204" pitchFamily="34" charset="0"/>
+              <a:buChar char="•"/>
+              <a:defRPr sz="2000" kern="1200">
+                <a:solidFill>
+                  <a:schemeClr val="tx1"/>
+                </a:solidFill>
+                <a:latin typeface="+mn-lt"/>
+                <a:ea typeface="+mn-ea"/>
+                <a:cs typeface="+mn-cs"/>
+              </a:defRPr>
+            </a:lvl3pPr>
+            <a:lvl4pPr marL="1600200" indent="-228600" algn="l" defTabSz="914400" rtl="0" eaLnBrk="1" latinLnBrk="0" hangingPunct="1">
+              <a:lnSpc>
+                <a:spcPct val="90000"/>
+              </a:lnSpc>
+              <a:spcBef>
+                <a:spcPts val="500"/>
+              </a:spcBef>
+              <a:buFont typeface="Arial" panose="020B0604020202020204" pitchFamily="34" charset="0"/>
+              <a:buChar char="•"/>
+              <a:defRPr sz="1800" kern="1200">
+                <a:solidFill>
+                  <a:schemeClr val="tx1"/>
+                </a:solidFill>
+                <a:latin typeface="+mn-lt"/>
+                <a:ea typeface="+mn-ea"/>
+                <a:cs typeface="+mn-cs"/>
+              </a:defRPr>
+            </a:lvl4pPr>
+            <a:lvl5pPr marL="2057400" indent="-228600" algn="l" defTabSz="914400" rtl="0" eaLnBrk="1" latinLnBrk="0" hangingPunct="1">
+              <a:lnSpc>
+                <a:spcPct val="90000"/>
+              </a:lnSpc>
+              <a:spcBef>
+                <a:spcPts val="500"/>
+              </a:spcBef>
+              <a:buFont typeface="Arial" panose="020B0604020202020204" pitchFamily="34" charset="0"/>
+              <a:buChar char="•"/>
+              <a:defRPr sz="1800" kern="1200">
+                <a:solidFill>
+                  <a:schemeClr val="tx1"/>
+                </a:solidFill>
+                <a:latin typeface="+mn-lt"/>
+                <a:ea typeface="+mn-ea"/>
+                <a:cs typeface="+mn-cs"/>
+              </a:defRPr>
+            </a:lvl5pPr>
+            <a:lvl6pPr marL="2514600" indent="-228600" algn="l" defTabSz="914400" rtl="0" eaLnBrk="1" latinLnBrk="0" hangingPunct="1">
+              <a:lnSpc>
+                <a:spcPct val="90000"/>
+              </a:lnSpc>
+              <a:spcBef>
+                <a:spcPts val="500"/>
+              </a:spcBef>
+              <a:buFont typeface="Arial" panose="020B0604020202020204" pitchFamily="34" charset="0"/>
+              <a:buChar char="•"/>
+              <a:defRPr sz="1800" kern="1200">
+                <a:solidFill>
+                  <a:schemeClr val="tx1"/>
+                </a:solidFill>
+                <a:latin typeface="+mn-lt"/>
+                <a:ea typeface="+mn-ea"/>
+                <a:cs typeface="+mn-cs"/>
+              </a:defRPr>
+            </a:lvl6pPr>
+            <a:lvl7pPr marL="2971800" indent="-228600" algn="l" defTabSz="914400" rtl="0" eaLnBrk="1" latinLnBrk="0" hangingPunct="1">
+              <a:lnSpc>
+                <a:spcPct val="90000"/>
+              </a:lnSpc>
+              <a:spcBef>
+                <a:spcPts val="500"/>
+              </a:spcBef>
+              <a:buFont typeface="Arial" panose="020B0604020202020204" pitchFamily="34" charset="0"/>
+              <a:buChar char="•"/>
+              <a:defRPr sz="1800" kern="1200">
+                <a:solidFill>
+                  <a:schemeClr val="tx1"/>
+                </a:solidFill>
+                <a:latin typeface="+mn-lt"/>
+                <a:ea typeface="+mn-ea"/>
+                <a:cs typeface="+mn-cs"/>
+              </a:defRPr>
+            </a:lvl7pPr>
+            <a:lvl8pPr marL="3429000" indent="-228600" algn="l" defTabSz="914400" rtl="0" eaLnBrk="1" latinLnBrk="0" hangingPunct="1">
+              <a:lnSpc>
+                <a:spcPct val="90000"/>
+              </a:lnSpc>
+              <a:spcBef>
+                <a:spcPts val="500"/>
+              </a:spcBef>
+              <a:buFont typeface="Arial" panose="020B0604020202020204" pitchFamily="34" charset="0"/>
+              <a:buChar char="•"/>
+              <a:defRPr sz="1800" kern="1200">
+                <a:solidFill>
+                  <a:schemeClr val="tx1"/>
+                </a:solidFill>
+                <a:latin typeface="+mn-lt"/>
+                <a:ea typeface="+mn-ea"/>
+                <a:cs typeface="+mn-cs"/>
+              </a:defRPr>
+            </a:lvl8pPr>
+            <a:lvl9pPr marL="3886200" indent="-228600" algn="l" defTabSz="914400" rtl="0" eaLnBrk="1" latinLnBrk="0" hangingPunct="1">
+              <a:lnSpc>
+                <a:spcPct val="90000"/>
+              </a:lnSpc>
+              <a:spcBef>
+                <a:spcPts val="500"/>
+              </a:spcBef>
+              <a:buFont typeface="Arial" panose="020B0604020202020204" pitchFamily="34" charset="0"/>
+              <a:buChar char="•"/>
+              <a:defRPr sz="1800" kern="1200">
+                <a:solidFill>
+                  <a:schemeClr val="tx1"/>
+                </a:solidFill>
+                <a:latin typeface="+mn-lt"/>
+                <a:ea typeface="+mn-ea"/>
+                <a:cs typeface="+mn-cs"/>
+              </a:defRPr>
+            </a:lvl9pPr>
+          </a:lstStyle>
+          <a:p>
+            <a:pPr marL="0" indent="0">
+              <a:buNone/>
+            </a:pPr>
+            <a:r>
+              <a:rPr lang="en-US" sz="2000" dirty="0">
+                <a:latin typeface="Avenir Book"/>
+              </a:rPr>
+              <a:t>Using GPU </a:t>
+            </a:r>
+            <a:r>
+              <a:rPr lang="en-US" sz="2000" b="1" u="sng" dirty="0">
+                <a:latin typeface="Avenir Book"/>
+              </a:rPr>
+              <a:t>local</a:t>
+            </a:r>
+            <a:r>
+              <a:rPr lang="en-US" sz="2000" dirty="0">
+                <a:latin typeface="Avenir Book"/>
+              </a:rPr>
+              <a:t> memory only for </a:t>
+            </a:r>
+            <a:r>
+              <a:rPr lang="en-US" sz="2000" dirty="0" err="1">
+                <a:latin typeface="Avenir Book"/>
+              </a:rPr>
+              <a:t>functors</a:t>
+            </a:r>
+            <a:r>
+              <a:rPr lang="en-US" sz="2000" dirty="0">
+                <a:latin typeface="Avenir Book"/>
+              </a:rPr>
+              <a:t>.  Occasional synchronization occurs.</a:t>
+            </a:r>
+          </a:p>
+        </p:txBody>
+      </p:sp>
+      <p:sp>
+        <p:nvSpPr>
+          <p:cNvPr id="9" name="Content Placeholder 2">
+            <a:extLst>
+              <a:ext uri="{FF2B5EF4-FFF2-40B4-BE49-F238E27FC236}">
+                <a16:creationId xmlns:a16="http://schemas.microsoft.com/office/drawing/2014/main" id="{B4D7EB29-47F8-41BA-BCE2-859AC50CAD74}"/>
+              </a:ext>
+            </a:extLst>
+          </p:cNvPr>
+          <p:cNvSpPr txBox="1">
+            <a:spLocks/>
+          </p:cNvSpPr>
+          <p:nvPr/>
+        </p:nvSpPr>
+        <p:spPr>
+          <a:xfrm>
+            <a:off x="6762958" y="4553922"/>
+            <a:ext cx="4802581" cy="883069"/>
+          </a:xfrm>
+          <a:prstGeom prst="rect">
+            <a:avLst/>
+          </a:prstGeom>
+        </p:spPr>
+        <p:txBody>
+          <a:bodyPr vert="horz" lIns="91440" tIns="45720" rIns="91440" bIns="45720" rtlCol="0">
+            <a:noAutofit/>
+          </a:bodyPr>
+          <a:lstStyle>
+            <a:lvl1pPr marL="228600" indent="-228600" algn="l" defTabSz="914400" rtl="0" eaLnBrk="1" latinLnBrk="0" hangingPunct="1">
+              <a:lnSpc>
+                <a:spcPct val="90000"/>
+              </a:lnSpc>
+              <a:spcBef>
+                <a:spcPts val="1000"/>
+              </a:spcBef>
+              <a:buFont typeface="Arial" panose="020B0604020202020204" pitchFamily="34" charset="0"/>
+              <a:buChar char="•"/>
+              <a:defRPr sz="2800" kern="1200">
+                <a:solidFill>
+                  <a:schemeClr val="tx1"/>
+                </a:solidFill>
+                <a:latin typeface="+mn-lt"/>
+                <a:ea typeface="+mn-ea"/>
+                <a:cs typeface="+mn-cs"/>
+              </a:defRPr>
+            </a:lvl1pPr>
+            <a:lvl2pPr marL="685800" indent="-228600" algn="l" defTabSz="914400" rtl="0" eaLnBrk="1" latinLnBrk="0" hangingPunct="1">
+              <a:lnSpc>
+                <a:spcPct val="90000"/>
+              </a:lnSpc>
+              <a:spcBef>
+                <a:spcPts val="500"/>
+              </a:spcBef>
+              <a:buFont typeface="Arial" panose="020B0604020202020204" pitchFamily="34" charset="0"/>
+              <a:buChar char="•"/>
+              <a:defRPr sz="2400" kern="1200">
+                <a:solidFill>
+                  <a:schemeClr val="tx1"/>
+                </a:solidFill>
+                <a:latin typeface="+mn-lt"/>
+                <a:ea typeface="+mn-ea"/>
+                <a:cs typeface="+mn-cs"/>
+              </a:defRPr>
+            </a:lvl2pPr>
+            <a:lvl3pPr marL="1143000" indent="-228600" algn="l" defTabSz="914400" rtl="0" eaLnBrk="1" latinLnBrk="0" hangingPunct="1">
+              <a:lnSpc>
+                <a:spcPct val="90000"/>
+              </a:lnSpc>
+              <a:spcBef>
+                <a:spcPts val="500"/>
+              </a:spcBef>
+              <a:buFont typeface="Arial" panose="020B0604020202020204" pitchFamily="34" charset="0"/>
+              <a:buChar char="•"/>
+              <a:defRPr sz="2000" kern="1200">
+                <a:solidFill>
+                  <a:schemeClr val="tx1"/>
+                </a:solidFill>
+                <a:latin typeface="+mn-lt"/>
+                <a:ea typeface="+mn-ea"/>
+                <a:cs typeface="+mn-cs"/>
+              </a:defRPr>
+            </a:lvl3pPr>
+            <a:lvl4pPr marL="1600200" indent="-228600" algn="l" defTabSz="914400" rtl="0" eaLnBrk="1" latinLnBrk="0" hangingPunct="1">
+              <a:lnSpc>
+                <a:spcPct val="90000"/>
+              </a:lnSpc>
+              <a:spcBef>
+                <a:spcPts val="500"/>
+              </a:spcBef>
+              <a:buFont typeface="Arial" panose="020B0604020202020204" pitchFamily="34" charset="0"/>
+              <a:buChar char="•"/>
+              <a:defRPr sz="1800" kern="1200">
+                <a:solidFill>
+                  <a:schemeClr val="tx1"/>
+                </a:solidFill>
+                <a:latin typeface="+mn-lt"/>
+                <a:ea typeface="+mn-ea"/>
+                <a:cs typeface="+mn-cs"/>
+              </a:defRPr>
+            </a:lvl4pPr>
+            <a:lvl5pPr marL="2057400" indent="-228600" algn="l" defTabSz="914400" rtl="0" eaLnBrk="1" latinLnBrk="0" hangingPunct="1">
+              <a:lnSpc>
+                <a:spcPct val="90000"/>
+              </a:lnSpc>
+              <a:spcBef>
+                <a:spcPts val="500"/>
+              </a:spcBef>
+              <a:buFont typeface="Arial" panose="020B0604020202020204" pitchFamily="34" charset="0"/>
+              <a:buChar char="•"/>
+              <a:defRPr sz="1800" kern="1200">
+                <a:solidFill>
+                  <a:schemeClr val="tx1"/>
+                </a:solidFill>
+                <a:latin typeface="+mn-lt"/>
+                <a:ea typeface="+mn-ea"/>
+                <a:cs typeface="+mn-cs"/>
+              </a:defRPr>
+            </a:lvl5pPr>
+            <a:lvl6pPr marL="2514600" indent="-228600" algn="l" defTabSz="914400" rtl="0" eaLnBrk="1" latinLnBrk="0" hangingPunct="1">
+              <a:lnSpc>
+                <a:spcPct val="90000"/>
+              </a:lnSpc>
+              <a:spcBef>
+                <a:spcPts val="500"/>
+              </a:spcBef>
+              <a:buFont typeface="Arial" panose="020B0604020202020204" pitchFamily="34" charset="0"/>
+              <a:buChar char="•"/>
+              <a:defRPr sz="1800" kern="1200">
+                <a:solidFill>
+                  <a:schemeClr val="tx1"/>
+                </a:solidFill>
+                <a:latin typeface="+mn-lt"/>
+                <a:ea typeface="+mn-ea"/>
+                <a:cs typeface="+mn-cs"/>
+              </a:defRPr>
+            </a:lvl6pPr>
+            <a:lvl7pPr marL="2971800" indent="-228600" algn="l" defTabSz="914400" rtl="0" eaLnBrk="1" latinLnBrk="0" hangingPunct="1">
+              <a:lnSpc>
+                <a:spcPct val="90000"/>
+              </a:lnSpc>
+              <a:spcBef>
+                <a:spcPts val="500"/>
+              </a:spcBef>
+              <a:buFont typeface="Arial" panose="020B0604020202020204" pitchFamily="34" charset="0"/>
+              <a:buChar char="•"/>
+              <a:defRPr sz="1800" kern="1200">
+                <a:solidFill>
+                  <a:schemeClr val="tx1"/>
+                </a:solidFill>
+                <a:latin typeface="+mn-lt"/>
+                <a:ea typeface="+mn-ea"/>
+                <a:cs typeface="+mn-cs"/>
+              </a:defRPr>
+            </a:lvl7pPr>
+            <a:lvl8pPr marL="3429000" indent="-228600" algn="l" defTabSz="914400" rtl="0" eaLnBrk="1" latinLnBrk="0" hangingPunct="1">
+              <a:lnSpc>
+                <a:spcPct val="90000"/>
+              </a:lnSpc>
+              <a:spcBef>
+                <a:spcPts val="500"/>
+              </a:spcBef>
+              <a:buFont typeface="Arial" panose="020B0604020202020204" pitchFamily="34" charset="0"/>
+              <a:buChar char="•"/>
+              <a:defRPr sz="1800" kern="1200">
+                <a:solidFill>
+                  <a:schemeClr val="tx1"/>
+                </a:solidFill>
+                <a:latin typeface="+mn-lt"/>
+                <a:ea typeface="+mn-ea"/>
+                <a:cs typeface="+mn-cs"/>
+              </a:defRPr>
+            </a:lvl8pPr>
+            <a:lvl9pPr marL="3886200" indent="-228600" algn="l" defTabSz="914400" rtl="0" eaLnBrk="1" latinLnBrk="0" hangingPunct="1">
+              <a:lnSpc>
+                <a:spcPct val="90000"/>
+              </a:lnSpc>
+              <a:spcBef>
+                <a:spcPts val="500"/>
+              </a:spcBef>
+              <a:buFont typeface="Arial" panose="020B0604020202020204" pitchFamily="34" charset="0"/>
+              <a:buChar char="•"/>
+              <a:defRPr sz="1800" kern="1200">
+                <a:solidFill>
+                  <a:schemeClr val="tx1"/>
+                </a:solidFill>
+                <a:latin typeface="+mn-lt"/>
+                <a:ea typeface="+mn-ea"/>
+                <a:cs typeface="+mn-cs"/>
+              </a:defRPr>
+            </a:lvl9pPr>
+          </a:lstStyle>
+          <a:p>
+            <a:pPr marL="0" indent="0">
+              <a:buNone/>
+            </a:pPr>
+            <a:r>
+              <a:rPr lang="en-US" sz="2000" dirty="0">
+                <a:latin typeface="Avenir Book"/>
+              </a:rPr>
+              <a:t>Using GPU </a:t>
+            </a:r>
+            <a:r>
+              <a:rPr lang="en-US" sz="2000" b="1" u="sng" dirty="0">
+                <a:latin typeface="Avenir Book"/>
+              </a:rPr>
+              <a:t>constant</a:t>
+            </a:r>
+            <a:r>
+              <a:rPr lang="en-US" sz="2000" dirty="0">
+                <a:latin typeface="Avenir Book"/>
+              </a:rPr>
+              <a:t> memory only for </a:t>
+            </a:r>
+            <a:r>
+              <a:rPr lang="en-US" sz="2000" dirty="0" err="1">
+                <a:latin typeface="Avenir Book"/>
+              </a:rPr>
+              <a:t>functors</a:t>
+            </a:r>
+            <a:r>
+              <a:rPr lang="en-US" sz="2000" dirty="0">
+                <a:latin typeface="Avenir Book"/>
+              </a:rPr>
+              <a:t>.  No synchronization!</a:t>
+            </a:r>
+          </a:p>
+        </p:txBody>
+      </p:sp>
     </p:spTree>
     <p:extLst>
       <p:ext uri="{BB962C8B-B14F-4D97-AF65-F5344CB8AC3E}">
@@ -17516,7 +18250,7 @@
         <p:spPr>
           <a:xfrm>
             <a:off x="308517" y="743220"/>
-            <a:ext cx="11574966" cy="6001643"/>
+            <a:ext cx="11574966" cy="5570756"/>
           </a:xfrm>
           <a:prstGeom prst="rect">
             <a:avLst/>
@@ -17536,19 +18270,7 @@
               <a:rPr lang="en-US" sz="2400" dirty="0">
                 <a:latin typeface="Avenir Book"/>
               </a:rPr>
-              <a:t>For scheduling and execution of code, use an asynchronous </a:t>
-            </a:r>
-            <a:r>
-              <a:rPr lang="en-US" sz="2400">
-                <a:latin typeface="Avenir Book"/>
-              </a:rPr>
-              <a:t>many task </a:t>
-            </a:r>
-            <a:r>
-              <a:rPr lang="en-US" sz="2400" dirty="0">
-                <a:latin typeface="Avenir Book"/>
-              </a:rPr>
-              <a:t>runtime.</a:t>
+              <a:t>For scheduling and execution of code, use an asynchronous many task runtime.</a:t>
             </a:r>
           </a:p>
           <a:p>
@@ -17560,19 +18282,7 @@
               <a:rPr lang="en-US" sz="2400" dirty="0">
                 <a:latin typeface="Avenir Book"/>
               </a:rPr>
-              <a:t>AMTs automatically schedules and </a:t>
-            </a:r>
-            <a:r>
-              <a:rPr lang="en-US" sz="2400">
-                <a:latin typeface="Avenir Book"/>
-              </a:rPr>
-              <a:t>execute tasks</a:t>
-            </a:r>
-            <a:r>
-              <a:rPr lang="en-US" sz="2400" dirty="0">
-                <a:latin typeface="Avenir Book"/>
-              </a:rPr>
-              <a:t>.  Supports large scale parallelism. </a:t>
+              <a:t>AMTs automatically schedules and execute tasks.  Supports large scale parallelism. </a:t>
             </a:r>
           </a:p>
           <a:p>
@@ -17620,16 +18330,10 @@
               <a:buChar char="•"/>
             </a:pPr>
             <a:r>
-              <a:rPr lang="en-US" sz="2400">
-                <a:latin typeface="Avenir Book"/>
-              </a:rPr>
-              <a:t>Task </a:t>
-            </a:r>
-            <a:r>
               <a:rPr lang="en-US" sz="2400" dirty="0">
                 <a:latin typeface="Avenir Book"/>
               </a:rPr>
-              <a:t>loops written once and later executed on CPUs, GPUs, Xeon Phis, and/or other architectures.  </a:t>
+              <a:t>Task loops written once and later executed on CPUs, GPUs, Xeon Phis, and/or other architectures.  </a:t>
             </a:r>
           </a:p>
           <a:p>
@@ -17695,43 +18399,7 @@
                 </a:solidFill>
                 <a:latin typeface="Avenir Book"/>
               </a:rPr>
-              <a:t>Uintah’s prior GPU model </a:t>
-            </a:r>
-            <a:r>
-              <a:rPr lang="en-US" sz="2800">
-                <a:solidFill>
-                  <a:srgbClr val="C00000"/>
-                </a:solidFill>
-                <a:latin typeface="Avenir Book"/>
-              </a:rPr>
-              <a:t>lacked task </a:t>
-            </a:r>
-            <a:r>
-              <a:rPr lang="en-US" sz="2800" dirty="0">
-                <a:solidFill>
-                  <a:srgbClr val="C00000"/>
-                </a:solidFill>
-                <a:latin typeface="Avenir Book"/>
-              </a:rPr>
-              <a:t>asynchrony, data store variable concurrency, efficient data movement among memory spaces, and </a:t>
-            </a:r>
-            <a:r>
-              <a:rPr lang="en-US" sz="2800">
-                <a:solidFill>
-                  <a:srgbClr val="C00000"/>
-                </a:solidFill>
-                <a:latin typeface="Avenir Book"/>
-              </a:rPr>
-              <a:t>efficient task </a:t>
-            </a:r>
-            <a:r>
-              <a:rPr lang="en-US" sz="2800" dirty="0">
-                <a:solidFill>
-                  <a:srgbClr val="C00000"/>
-                </a:solidFill>
-                <a:latin typeface="Avenir Book"/>
-              </a:rPr>
-              <a:t>execution.</a:t>
+              <a:t>Uintah’s prior GPU model lacked task asynchrony, data store variable concurrency, efficient data movement among memory spaces, and efficient task execution.</a:t>
             </a:r>
           </a:p>
           <a:p>
@@ -17757,18 +18425,6 @@
               </a:rPr>
               <a:t> lacked GPU asynchrony.</a:t>
             </a:r>
-            <a:r>
-              <a:rPr lang="en-US" sz="2800" dirty="0">
-                <a:solidFill>
-                  <a:srgbClr val="00B050"/>
-                </a:solidFill>
-                <a:latin typeface="Avenir Book"/>
-              </a:rPr>
-              <a:t> </a:t>
-            </a:r>
-          </a:p>
-          <a:p>
-            <a:pPr lvl="1"/>
             <a:r>
               <a:rPr lang="en-US" sz="2800" dirty="0">
                 <a:solidFill>
@@ -17829,7 +18485,7 @@
         </p:nvSpPr>
         <p:spPr>
           <a:xfrm>
-            <a:off x="838200" y="365125"/>
+            <a:off x="816807" y="130795"/>
             <a:ext cx="10515600" cy="696031"/>
           </a:xfrm>
         </p:spPr>
@@ -17871,7 +18527,7 @@
         </p:nvSpPr>
         <p:spPr>
           <a:xfrm>
-            <a:off x="428977" y="1061156"/>
+            <a:off x="423335" y="814417"/>
             <a:ext cx="11345333" cy="5115807"/>
           </a:xfrm>
         </p:spPr>
@@ -17981,12 +18637,84 @@
           </a:p>
         </p:txBody>
       </p:sp>
+      <p:pic>
+        <p:nvPicPr>
+          <p:cNvPr id="6" name="Picture 5" descr="A picture containing screenshot&#10;&#10;Description generated with very high confidence">
+            <a:extLst>
+              <a:ext uri="{FF2B5EF4-FFF2-40B4-BE49-F238E27FC236}">
+                <a16:creationId xmlns:a16="http://schemas.microsoft.com/office/drawing/2014/main" id="{DB01286A-2EF0-46BA-856B-A0556A036A12}"/>
+              </a:ext>
+            </a:extLst>
+          </p:cNvPr>
+          <p:cNvPicPr>
+            <a:picLocks noChangeAspect="1"/>
+          </p:cNvPicPr>
+          <p:nvPr/>
+        </p:nvPicPr>
+        <p:blipFill>
+          <a:blip r:embed="rId2">
+            <a:extLst>
+              <a:ext uri="{28A0092B-C50C-407E-A947-70E740481C1C}">
+                <a14:useLocalDpi xmlns:a14="http://schemas.microsoft.com/office/drawing/2010/main" val="0"/>
+              </a:ext>
+            </a:extLst>
+          </a:blip>
+          <a:stretch>
+            <a:fillRect/>
+          </a:stretch>
+        </p:blipFill>
+        <p:spPr>
+          <a:xfrm>
+            <a:off x="130544" y="3989066"/>
+            <a:ext cx="5851166" cy="1139672"/>
+          </a:xfrm>
+          <a:prstGeom prst="rect">
+            <a:avLst/>
+          </a:prstGeom>
+        </p:spPr>
+      </p:pic>
+      <p:pic>
+        <p:nvPicPr>
+          <p:cNvPr id="8" name="Picture 7" descr="A picture containing screenshot&#10;&#10;Description generated with high confidence">
+            <a:extLst>
+              <a:ext uri="{FF2B5EF4-FFF2-40B4-BE49-F238E27FC236}">
+                <a16:creationId xmlns:a16="http://schemas.microsoft.com/office/drawing/2014/main" id="{114B8B90-27AE-4E8A-B4C4-41ADFD2D08BD}"/>
+              </a:ext>
+            </a:extLst>
+          </p:cNvPr>
+          <p:cNvPicPr>
+            <a:picLocks noChangeAspect="1"/>
+          </p:cNvPicPr>
+          <p:nvPr/>
+        </p:nvPicPr>
+        <p:blipFill>
+          <a:blip r:embed="rId3">
+            <a:extLst>
+              <a:ext uri="{28A0092B-C50C-407E-A947-70E740481C1C}">
+                <a14:useLocalDpi xmlns:a14="http://schemas.microsoft.com/office/drawing/2010/main" val="0"/>
+              </a:ext>
+            </a:extLst>
+          </a:blip>
+          <a:stretch>
+            <a:fillRect/>
+          </a:stretch>
+        </p:blipFill>
+        <p:spPr>
+          <a:xfrm>
+            <a:off x="6210292" y="3691296"/>
+            <a:ext cx="5846629" cy="1735211"/>
+          </a:xfrm>
+          <a:prstGeom prst="rect">
+            <a:avLst/>
+          </a:prstGeom>
+        </p:spPr>
+      </p:pic>
       <p:sp>
         <p:nvSpPr>
-          <p:cNvPr id="4" name="Content Placeholder 2">
+          <p:cNvPr id="17" name="Content Placeholder 2">
             <a:extLst>
               <a:ext uri="{FF2B5EF4-FFF2-40B4-BE49-F238E27FC236}">
-                <a16:creationId xmlns:a16="http://schemas.microsoft.com/office/drawing/2014/main" id="{AA1FF41E-A3D2-4C6A-A978-1215B19594E9}"/>
+                <a16:creationId xmlns:a16="http://schemas.microsoft.com/office/drawing/2014/main" id="{453D3405-AAE3-4BD1-9C66-7C18C93603E3}"/>
               </a:ext>
             </a:extLst>
           </p:cNvPr>
@@ -17997,8 +18725,8 @@
         </p:nvSpPr>
         <p:spPr>
           <a:xfrm>
-            <a:off x="3757997" y="4390408"/>
-            <a:ext cx="4676006" cy="1073267"/>
+            <a:off x="816807" y="5363068"/>
+            <a:ext cx="4364793" cy="883069"/>
           </a:xfrm>
           <a:prstGeom prst="rect">
             <a:avLst/>
@@ -18173,24 +18901,265 @@
             </a:lvl9pPr>
           </a:lstStyle>
           <a:p>
-            <a:pPr marL="0" indent="0" algn="ctr">
+            <a:pPr marL="0" indent="0">
               <a:buNone/>
             </a:pPr>
             <a:r>
-              <a:rPr lang="en-US" sz="2400" b="1" dirty="0">
-                <a:solidFill>
-                  <a:srgbClr val="0070C0"/>
-                </a:solidFill>
-                <a:latin typeface="Avenir Book"/>
-              </a:rPr>
-              <a:t>TODO: Show Parallel Reduce overlapping results</a:t>
-            </a:r>
-            <a:endParaRPr lang="en-US" b="1" dirty="0">
-              <a:solidFill>
-                <a:srgbClr val="0070C0"/>
-              </a:solidFill>
-              <a:latin typeface="Avenir Book"/>
-            </a:endParaRPr>
+              <a:rPr lang="en-US" sz="2000" dirty="0">
+                <a:latin typeface="Avenir Book"/>
+              </a:rPr>
+              <a:t>Before:  Before </a:t>
+            </a:r>
+            <a:r>
+              <a:rPr lang="en-US" sz="2000" dirty="0" err="1">
+                <a:latin typeface="Avenir Book"/>
+              </a:rPr>
+              <a:t>Kokkos</a:t>
+            </a:r>
+            <a:r>
+              <a:rPr lang="en-US" sz="2000" dirty="0">
+                <a:latin typeface="Avenir Book"/>
+              </a:rPr>
+              <a:t> modifications.  Production and portable code.  Letting the GPU partition 1 large patch.</a:t>
+            </a:r>
+          </a:p>
+        </p:txBody>
+      </p:sp>
+      <p:sp>
+        <p:nvSpPr>
+          <p:cNvPr id="19" name="Content Placeholder 2">
+            <a:extLst>
+              <a:ext uri="{FF2B5EF4-FFF2-40B4-BE49-F238E27FC236}">
+                <a16:creationId xmlns:a16="http://schemas.microsoft.com/office/drawing/2014/main" id="{ACA1138B-E03F-427F-B9F9-04850944BF3B}"/>
+              </a:ext>
+            </a:extLst>
+          </p:cNvPr>
+          <p:cNvSpPr txBox="1">
+            <a:spLocks/>
+          </p:cNvSpPr>
+          <p:nvPr/>
+        </p:nvSpPr>
+        <p:spPr>
+          <a:xfrm>
+            <a:off x="6894286" y="5488690"/>
+            <a:ext cx="4480907" cy="883069"/>
+          </a:xfrm>
+          <a:prstGeom prst="rect">
+            <a:avLst/>
+          </a:prstGeom>
+        </p:spPr>
+        <p:txBody>
+          <a:bodyPr vert="horz" lIns="91440" tIns="45720" rIns="91440" bIns="45720" rtlCol="0">
+            <a:noAutofit/>
+          </a:bodyPr>
+          <a:lstStyle>
+            <a:lvl1pPr marL="228600" indent="-228600" algn="l" defTabSz="914400" rtl="0" eaLnBrk="1" latinLnBrk="0" hangingPunct="1">
+              <a:lnSpc>
+                <a:spcPct val="90000"/>
+              </a:lnSpc>
+              <a:spcBef>
+                <a:spcPts val="1000"/>
+              </a:spcBef>
+              <a:buFont typeface="Arial" panose="020B0604020202020204" pitchFamily="34" charset="0"/>
+              <a:buChar char="•"/>
+              <a:defRPr sz="2800" kern="1200">
+                <a:solidFill>
+                  <a:schemeClr val="tx1"/>
+                </a:solidFill>
+                <a:latin typeface="+mn-lt"/>
+                <a:ea typeface="+mn-ea"/>
+                <a:cs typeface="+mn-cs"/>
+              </a:defRPr>
+            </a:lvl1pPr>
+            <a:lvl2pPr marL="685800" indent="-228600" algn="l" defTabSz="914400" rtl="0" eaLnBrk="1" latinLnBrk="0" hangingPunct="1">
+              <a:lnSpc>
+                <a:spcPct val="90000"/>
+              </a:lnSpc>
+              <a:spcBef>
+                <a:spcPts val="500"/>
+              </a:spcBef>
+              <a:buFont typeface="Arial" panose="020B0604020202020204" pitchFamily="34" charset="0"/>
+              <a:buChar char="•"/>
+              <a:defRPr sz="2400" kern="1200">
+                <a:solidFill>
+                  <a:schemeClr val="tx1"/>
+                </a:solidFill>
+                <a:latin typeface="+mn-lt"/>
+                <a:ea typeface="+mn-ea"/>
+                <a:cs typeface="+mn-cs"/>
+              </a:defRPr>
+            </a:lvl2pPr>
+            <a:lvl3pPr marL="1143000" indent="-228600" algn="l" defTabSz="914400" rtl="0" eaLnBrk="1" latinLnBrk="0" hangingPunct="1">
+              <a:lnSpc>
+                <a:spcPct val="90000"/>
+              </a:lnSpc>
+              <a:spcBef>
+                <a:spcPts val="500"/>
+              </a:spcBef>
+              <a:buFont typeface="Arial" panose="020B0604020202020204" pitchFamily="34" charset="0"/>
+              <a:buChar char="•"/>
+              <a:defRPr sz="2000" kern="1200">
+                <a:solidFill>
+                  <a:schemeClr val="tx1"/>
+                </a:solidFill>
+                <a:latin typeface="+mn-lt"/>
+                <a:ea typeface="+mn-ea"/>
+                <a:cs typeface="+mn-cs"/>
+              </a:defRPr>
+            </a:lvl3pPr>
+            <a:lvl4pPr marL="1600200" indent="-228600" algn="l" defTabSz="914400" rtl="0" eaLnBrk="1" latinLnBrk="0" hangingPunct="1">
+              <a:lnSpc>
+                <a:spcPct val="90000"/>
+              </a:lnSpc>
+              <a:spcBef>
+                <a:spcPts val="500"/>
+              </a:spcBef>
+              <a:buFont typeface="Arial" panose="020B0604020202020204" pitchFamily="34" charset="0"/>
+              <a:buChar char="•"/>
+              <a:defRPr sz="1800" kern="1200">
+                <a:solidFill>
+                  <a:schemeClr val="tx1"/>
+                </a:solidFill>
+                <a:latin typeface="+mn-lt"/>
+                <a:ea typeface="+mn-ea"/>
+                <a:cs typeface="+mn-cs"/>
+              </a:defRPr>
+            </a:lvl4pPr>
+            <a:lvl5pPr marL="2057400" indent="-228600" algn="l" defTabSz="914400" rtl="0" eaLnBrk="1" latinLnBrk="0" hangingPunct="1">
+              <a:lnSpc>
+                <a:spcPct val="90000"/>
+              </a:lnSpc>
+              <a:spcBef>
+                <a:spcPts val="500"/>
+              </a:spcBef>
+              <a:buFont typeface="Arial" panose="020B0604020202020204" pitchFamily="34" charset="0"/>
+              <a:buChar char="•"/>
+              <a:defRPr sz="1800" kern="1200">
+                <a:solidFill>
+                  <a:schemeClr val="tx1"/>
+                </a:solidFill>
+                <a:latin typeface="+mn-lt"/>
+                <a:ea typeface="+mn-ea"/>
+                <a:cs typeface="+mn-cs"/>
+              </a:defRPr>
+            </a:lvl5pPr>
+            <a:lvl6pPr marL="2514600" indent="-228600" algn="l" defTabSz="914400" rtl="0" eaLnBrk="1" latinLnBrk="0" hangingPunct="1">
+              <a:lnSpc>
+                <a:spcPct val="90000"/>
+              </a:lnSpc>
+              <a:spcBef>
+                <a:spcPts val="500"/>
+              </a:spcBef>
+              <a:buFont typeface="Arial" panose="020B0604020202020204" pitchFamily="34" charset="0"/>
+              <a:buChar char="•"/>
+              <a:defRPr sz="1800" kern="1200">
+                <a:solidFill>
+                  <a:schemeClr val="tx1"/>
+                </a:solidFill>
+                <a:latin typeface="+mn-lt"/>
+                <a:ea typeface="+mn-ea"/>
+                <a:cs typeface="+mn-cs"/>
+              </a:defRPr>
+            </a:lvl6pPr>
+            <a:lvl7pPr marL="2971800" indent="-228600" algn="l" defTabSz="914400" rtl="0" eaLnBrk="1" latinLnBrk="0" hangingPunct="1">
+              <a:lnSpc>
+                <a:spcPct val="90000"/>
+              </a:lnSpc>
+              <a:spcBef>
+                <a:spcPts val="500"/>
+              </a:spcBef>
+              <a:buFont typeface="Arial" panose="020B0604020202020204" pitchFamily="34" charset="0"/>
+              <a:buChar char="•"/>
+              <a:defRPr sz="1800" kern="1200">
+                <a:solidFill>
+                  <a:schemeClr val="tx1"/>
+                </a:solidFill>
+                <a:latin typeface="+mn-lt"/>
+                <a:ea typeface="+mn-ea"/>
+                <a:cs typeface="+mn-cs"/>
+              </a:defRPr>
+            </a:lvl7pPr>
+            <a:lvl8pPr marL="3429000" indent="-228600" algn="l" defTabSz="914400" rtl="0" eaLnBrk="1" latinLnBrk="0" hangingPunct="1">
+              <a:lnSpc>
+                <a:spcPct val="90000"/>
+              </a:lnSpc>
+              <a:spcBef>
+                <a:spcPts val="500"/>
+              </a:spcBef>
+              <a:buFont typeface="Arial" panose="020B0604020202020204" pitchFamily="34" charset="0"/>
+              <a:buChar char="•"/>
+              <a:defRPr sz="1800" kern="1200">
+                <a:solidFill>
+                  <a:schemeClr val="tx1"/>
+                </a:solidFill>
+                <a:latin typeface="+mn-lt"/>
+                <a:ea typeface="+mn-ea"/>
+                <a:cs typeface="+mn-cs"/>
+              </a:defRPr>
+            </a:lvl8pPr>
+            <a:lvl9pPr marL="3886200" indent="-228600" algn="l" defTabSz="914400" rtl="0" eaLnBrk="1" latinLnBrk="0" hangingPunct="1">
+              <a:lnSpc>
+                <a:spcPct val="90000"/>
+              </a:lnSpc>
+              <a:spcBef>
+                <a:spcPts val="500"/>
+              </a:spcBef>
+              <a:buFont typeface="Arial" panose="020B0604020202020204" pitchFamily="34" charset="0"/>
+              <a:buChar char="•"/>
+              <a:defRPr sz="1800" kern="1200">
+                <a:solidFill>
+                  <a:schemeClr val="tx1"/>
+                </a:solidFill>
+                <a:latin typeface="+mn-lt"/>
+                <a:ea typeface="+mn-ea"/>
+                <a:cs typeface="+mn-cs"/>
+              </a:defRPr>
+            </a:lvl9pPr>
+          </a:lstStyle>
+          <a:p>
+            <a:pPr marL="0" indent="0">
+              <a:buNone/>
+            </a:pPr>
+            <a:r>
+              <a:rPr lang="en-US" sz="2000" dirty="0">
+                <a:latin typeface="Avenir Book"/>
+              </a:rPr>
+              <a:t>After: After </a:t>
+            </a:r>
+            <a:r>
+              <a:rPr lang="en-US" sz="2000" dirty="0" err="1">
+                <a:latin typeface="Avenir Book"/>
+              </a:rPr>
+              <a:t>Kokkos</a:t>
+            </a:r>
+            <a:r>
+              <a:rPr lang="en-US" sz="2000" dirty="0">
+                <a:latin typeface="Avenir Book"/>
+              </a:rPr>
+              <a:t> + Uintah modifications</a:t>
+            </a:r>
+            <a:br>
+              <a:rPr lang="en-US" sz="2000" dirty="0">
+                <a:latin typeface="Avenir Book"/>
+              </a:rPr>
+            </a:br>
+            <a:r>
+              <a:rPr lang="en-US" sz="2000" dirty="0">
+                <a:latin typeface="Avenir Book"/>
+              </a:rPr>
+              <a:t>Production problem!  It’s portable code!  </a:t>
+            </a:r>
+            <a:br>
+              <a:rPr lang="en-US" sz="2000" dirty="0">
+                <a:latin typeface="Avenir Book"/>
+              </a:rPr>
+            </a:br>
+            <a:r>
+              <a:rPr lang="en-US" sz="2000" dirty="0">
+                <a:latin typeface="Avenir Book"/>
+              </a:rPr>
+              <a:t>It’s faster than bulk synchronous!</a:t>
+            </a:r>
           </a:p>
         </p:txBody>
       </p:sp>
@@ -19155,7 +20124,7 @@
         </p:spPr>
         <p:txBody>
           <a:bodyPr>
-            <a:normAutofit fontScale="92500" lnSpcReduction="10000"/>
+            <a:normAutofit/>
           </a:bodyPr>
           <a:lstStyle/>
           <a:p>
@@ -19163,19 +20132,28 @@
               <a:rPr lang="en-US" dirty="0">
                 <a:latin typeface="Avenir Book"/>
               </a:rPr>
-              <a:t>Focus </a:t>
-            </a:r>
-            <a:r>
-              <a:rPr lang="en-US">
-                <a:latin typeface="Avenir Book"/>
-              </a:rPr>
-              <a:t>on tasks </a:t>
+              <a:t>Focus on tasks already written with </a:t>
+            </a:r>
+            <a:r>
+              <a:rPr lang="en-US" dirty="0" err="1">
+                <a:latin typeface="Avenir Book"/>
+              </a:rPr>
+              <a:t>Kokkos</a:t>
             </a:r>
             <a:r>
               <a:rPr lang="en-US" dirty="0">
                 <a:latin typeface="Avenir Book"/>
               </a:rPr>
-              <a:t>already written with </a:t>
+              <a:t> code.  </a:t>
+            </a:r>
+          </a:p>
+          <a:p>
+            <a:pPr lvl="1"/>
+            <a:r>
+              <a:rPr lang="en-US" dirty="0">
+                <a:latin typeface="Avenir Book"/>
+              </a:rPr>
+              <a:t>RMCRT and Arches tasks are the current target </a:t>
             </a:r>
             <a:r>
               <a:rPr lang="en-US" dirty="0" err="1">
@@ -19187,7 +20165,7 @@
               <a:rPr lang="en-US" dirty="0">
                 <a:latin typeface="Avenir Book"/>
               </a:rPr>
-              <a:t> code.  </a:t>
+              <a:t> problems.  </a:t>
             </a:r>
           </a:p>
           <a:p>
@@ -19196,19 +20174,19 @@
               <a:rPr lang="en-US" dirty="0">
                 <a:latin typeface="Avenir Book"/>
               </a:rPr>
-              <a:t>RMCRT and </a:t>
-            </a:r>
-            <a:r>
-              <a:rPr lang="en-US">
-                <a:latin typeface="Avenir Book"/>
-              </a:rPr>
-              <a:t>Arches tasks </a:t>
+              <a:t>Will not rewrite existing CPU tasks into </a:t>
+            </a:r>
+            <a:r>
+              <a:rPr lang="en-US" dirty="0" err="1">
+                <a:latin typeface="Avenir Book"/>
+              </a:rPr>
+              <a:t>Kokkos</a:t>
             </a:r>
             <a:r>
               <a:rPr lang="en-US" dirty="0">
                 <a:latin typeface="Avenir Book"/>
               </a:rPr>
-              <a:t>are the target problems.  </a:t>
+              <a:t>, with the exception of RMCRT.</a:t>
             </a:r>
           </a:p>
           <a:p>
@@ -19217,173 +20195,45 @@
               <a:rPr lang="en-US" dirty="0">
                 <a:latin typeface="Avenir Book"/>
               </a:rPr>
-              <a:t>Will not rewrite existing </a:t>
-            </a:r>
-            <a:r>
-              <a:rPr lang="en-US">
-                <a:latin typeface="Avenir Book"/>
-              </a:rPr>
-              <a:t>CPU tasks </a:t>
-            </a:r>
+              <a:t>Some tasks can’t port if they depart from Uintah conventions or use non-portable code (e.g. STL containers, system calls, etc.)</a:t>
+            </a:r>
+          </a:p>
+          <a:p>
             <a:r>
               <a:rPr lang="en-US" dirty="0">
                 <a:latin typeface="Avenir Book"/>
               </a:rPr>
-              <a:t>into </a:t>
+              <a:t>Require minimal architecture specific #ifdef stubs for application developers.</a:t>
+            </a:r>
+          </a:p>
+          <a:p>
+            <a:pPr lvl="1"/>
+            <a:r>
+              <a:rPr lang="en-US" dirty="0">
+                <a:latin typeface="Avenir Book"/>
+              </a:rPr>
+              <a:t>Exception: Looping ranges require architecture specific fine tuning.</a:t>
+            </a:r>
+          </a:p>
+          <a:p>
+            <a:pPr lvl="1"/>
+            <a:r>
+              <a:rPr lang="en-US" dirty="0">
+                <a:latin typeface="Avenir Book"/>
+              </a:rPr>
+              <a:t>It’s possible some data warehouse usage will be non-portable (e.g. Todd Harman likes the </a:t>
             </a:r>
             <a:r>
               <a:rPr lang="en-US" dirty="0" err="1">
                 <a:latin typeface="Avenir Book"/>
               </a:rPr>
-              <a:t>Kokkos</a:t>
+              <a:t>getRegion</a:t>
             </a:r>
             <a:r>
               <a:rPr lang="en-US" dirty="0">
                 <a:latin typeface="Avenir Book"/>
               </a:rPr>
-              <a:t>.</a:t>
-            </a:r>
-          </a:p>
-          <a:p>
-            <a:r>
-              <a:rPr lang="en-US" dirty="0">
-                <a:latin typeface="Avenir Book"/>
-              </a:rPr>
-              <a:t>Demonstrate production </a:t>
-            </a:r>
-            <a:r>
-              <a:rPr lang="en-US">
-                <a:latin typeface="Avenir Book"/>
-              </a:rPr>
-              <a:t>ready tasks </a:t>
-            </a:r>
-            <a:r>
-              <a:rPr lang="en-US" dirty="0">
-                <a:latin typeface="Avenir Book"/>
-              </a:rPr>
-              <a:t>that:</a:t>
-            </a:r>
-          </a:p>
-          <a:p>
-            <a:pPr lvl="1"/>
-            <a:r>
-              <a:rPr lang="en-US" dirty="0">
-                <a:latin typeface="Avenir Book"/>
-              </a:rPr>
-              <a:t>Use one </a:t>
-            </a:r>
-            <a:r>
-              <a:rPr lang="en-US" dirty="0" err="1">
-                <a:latin typeface="Avenir Book"/>
-              </a:rPr>
-              <a:t>functor</a:t>
-            </a:r>
-            <a:r>
-              <a:rPr lang="en-US" dirty="0">
-                <a:latin typeface="Avenir Book"/>
-              </a:rPr>
-              <a:t> codebase that can run on CPUs and GPUs (and possibly demonstrate on Xeon Phi KNLs).</a:t>
-            </a:r>
-          </a:p>
-          <a:p>
-            <a:pPr lvl="1"/>
-            <a:r>
-              <a:rPr lang="en-US" dirty="0">
-                <a:latin typeface="Avenir Book"/>
-              </a:rPr>
-              <a:t>Require minimal architecture specific code stubs for application developers.</a:t>
-            </a:r>
-          </a:p>
-          <a:p>
-            <a:pPr lvl="2"/>
-            <a:r>
-              <a:rPr lang="en-US" dirty="0">
-                <a:latin typeface="Avenir Book"/>
-              </a:rPr>
-              <a:t>Exception: Looping ranges require architecture specific fine tuning.</a:t>
-            </a:r>
-          </a:p>
-          <a:p>
-            <a:pPr lvl="1"/>
-            <a:r>
-              <a:rPr lang="en-US" dirty="0">
-                <a:latin typeface="Avenir Book"/>
-              </a:rPr>
-              <a:t>Retrieve simulation variables in a portable way (one set of code only).</a:t>
-            </a:r>
-          </a:p>
-          <a:p>
-            <a:pPr lvl="1"/>
-            <a:r>
-              <a:rPr lang="en-US" dirty="0">
-                <a:latin typeface="Avenir Book"/>
-              </a:rPr>
-              <a:t>Compute with comparable times as existing CPU and </a:t>
-            </a:r>
-            <a:r>
-              <a:rPr lang="en-US">
-                <a:latin typeface="Avenir Book"/>
-              </a:rPr>
-              <a:t>GPU task </a:t>
-            </a:r>
-            <a:r>
-              <a:rPr lang="en-US" dirty="0">
-                <a:latin typeface="Avenir Book"/>
-              </a:rPr>
-              <a:t>implementations.</a:t>
-            </a:r>
-          </a:p>
-          <a:p>
-            <a:pPr lvl="1"/>
-            <a:r>
-              <a:rPr lang="en-US" dirty="0">
-                <a:latin typeface="Avenir Book"/>
-              </a:rPr>
-              <a:t>Avoids synchronization (Uintah is an </a:t>
-            </a:r>
-            <a:r>
-              <a:rPr lang="en-US" b="1" u="sng" dirty="0">
-                <a:latin typeface="Avenir Book"/>
-              </a:rPr>
-              <a:t>A</a:t>
-            </a:r>
-            <a:r>
-              <a:rPr lang="en-US" dirty="0">
-                <a:latin typeface="Avenir Book"/>
-              </a:rPr>
-              <a:t>MT</a:t>
-            </a:r>
-            <a:r>
-              <a:rPr lang="en-US" b="1" dirty="0">
-                <a:latin typeface="Avenir Book"/>
-              </a:rPr>
-              <a:t> </a:t>
-            </a:r>
-            <a:r>
-              <a:rPr lang="en-US" dirty="0">
-                <a:latin typeface="Avenir Book"/>
-              </a:rPr>
-              <a:t>after all).</a:t>
-            </a:r>
-          </a:p>
-          <a:p>
-            <a:r>
-              <a:rPr lang="en-US" dirty="0">
-                <a:latin typeface="Avenir Book"/>
-              </a:rPr>
-              <a:t>Note: </a:t>
-            </a:r>
-            <a:r>
-              <a:rPr lang="en-US">
-                <a:latin typeface="Avenir Book"/>
-              </a:rPr>
-              <a:t>Some tasks </a:t>
-            </a:r>
-            <a:r>
-              <a:rPr lang="en-US" dirty="0">
-                <a:latin typeface="Avenir Book"/>
-              </a:rPr>
-              <a:t>can’t port if they depart from Uintah conventions or use non-portable code (e.g. STL containers, system calls, etc.)</a:t>
+              <a:t>() API which can’t be GPU portable).</a:t>
             </a:r>
           </a:p>
           <a:p>
@@ -19574,7 +20424,7 @@
               <a:rPr lang="en-US" b="1" dirty="0">
                 <a:latin typeface="Avenir Book"/>
               </a:rPr>
-              <a:t> and GPU Integration Into Uintah</a:t>
+              <a:t> and GPU Integration Into Uintah  </a:t>
             </a:r>
           </a:p>
           <a:p>
@@ -19582,7 +20432,7 @@
               <a:rPr lang="en-US" b="1" dirty="0">
                 <a:latin typeface="Avenir Book"/>
               </a:rPr>
-              <a:t>Chapter 8 Conclusions and Future Work</a:t>
+              <a:t>Chapter 8 Conclusions and Future Work  </a:t>
             </a:r>
           </a:p>
           <a:p>
@@ -22638,10 +23488,10 @@
       </p:sp>
       <p:pic>
         <p:nvPicPr>
-          <p:cNvPr id="5" name="Picture 4">
+          <p:cNvPr id="4" name="Picture 3">
             <a:extLst>
               <a:ext uri="{FF2B5EF4-FFF2-40B4-BE49-F238E27FC236}">
-                <a16:creationId xmlns:a16="http://schemas.microsoft.com/office/drawing/2014/main" id="{CDF5FE8E-2D5D-4E60-B37C-FB4BCD61DB33}"/>
+                <a16:creationId xmlns:a16="http://schemas.microsoft.com/office/drawing/2014/main" id="{7BFBA021-6EBF-477F-A13F-2BA381ECB2EB}"/>
               </a:ext>
             </a:extLst>
           </p:cNvPr>
@@ -22651,21 +23501,15 @@
           <p:nvPr/>
         </p:nvPicPr>
         <p:blipFill>
-          <a:blip r:embed="rId2" cstate="print">
-            <a:extLst>
-              <a:ext uri="{28A0092B-C50C-407E-A947-70E740481C1C}">
-                <a14:useLocalDpi xmlns:a14="http://schemas.microsoft.com/office/drawing/2010/main" val="0"/>
-              </a:ext>
-            </a:extLst>
-          </a:blip>
+          <a:blip r:embed="rId2"/>
           <a:stretch>
             <a:fillRect/>
           </a:stretch>
         </p:blipFill>
         <p:spPr>
           <a:xfrm>
-            <a:off x="6096000" y="1128890"/>
-            <a:ext cx="5715221" cy="4822294"/>
+            <a:off x="5791200" y="1128890"/>
+            <a:ext cx="5718475" cy="4822296"/>
           </a:xfrm>
           <a:prstGeom prst="rect">
             <a:avLst/>
@@ -27092,4 +27936,299 @@
     </a:ext>
   </a:extLst>
 </a:theme>
+</file>
+
+<file path=ppt/theme/theme3.xml><?xml version="1.0" encoding="utf-8"?>
+<a:theme xmlns:a="http://schemas.openxmlformats.org/drawingml/2006/main" name="Office Theme">
+  <a:themeElements>
+    <a:clrScheme name="Office">
+      <a:dk1>
+        <a:sysClr val="windowText" lastClr="000000"/>
+      </a:dk1>
+      <a:lt1>
+        <a:sysClr val="window" lastClr="FFFFFF"/>
+      </a:lt1>
+      <a:dk2>
+        <a:srgbClr val="44546A"/>
+      </a:dk2>
+      <a:lt2>
+        <a:srgbClr val="E7E6E6"/>
+      </a:lt2>
+      <a:accent1>
+        <a:srgbClr val="4472C4"/>
+      </a:accent1>
+      <a:accent2>
+        <a:srgbClr val="ED7D31"/>
+      </a:accent2>
+      <a:accent3>
+        <a:srgbClr val="A5A5A5"/>
+      </a:accent3>
+      <a:accent4>
+        <a:srgbClr val="FFC000"/>
+      </a:accent4>
+      <a:accent5>
+        <a:srgbClr val="5B9BD5"/>
+      </a:accent5>
+      <a:accent6>
+        <a:srgbClr val="70AD47"/>
+      </a:accent6>
+      <a:hlink>
+        <a:srgbClr val="0563C1"/>
+      </a:hlink>
+      <a:folHlink>
+        <a:srgbClr val="954F72"/>
+      </a:folHlink>
+    </a:clrScheme>
+    <a:fontScheme name="Office">
+      <a:majorFont>
+        <a:latin typeface="Calibri Light" panose="020F0302020204030204"/>
+        <a:ea typeface=""/>
+        <a:cs typeface=""/>
+        <a:font script="Jpan" typeface="游ゴシック Light"/>
+        <a:font script="Hang" typeface="맑은 고딕"/>
+        <a:font script="Hans" typeface="等线 Light"/>
+        <a:font script="Hant" typeface="新細明體"/>
+        <a:font script="Arab" typeface="Times New Roman"/>
+        <a:font script="Hebr" typeface="Times New Roman"/>
+        <a:font script="Thai" typeface="Angsana New"/>
+        <a:font script="Ethi" typeface="Nyala"/>
+        <a:font script="Beng" typeface="Vrinda"/>
+        <a:font script="Gujr" typeface="Shruti"/>
+        <a:font script="Khmr" typeface="MoolBoran"/>
+        <a:font script="Knda" typeface="Tunga"/>
+        <a:font script="Guru" typeface="Raavi"/>
+        <a:font script="Cans" typeface="Euphemia"/>
+        <a:font script="Cher" typeface="Plantagenet Cherokee"/>
+        <a:font script="Yiii" typeface="Microsoft Yi Baiti"/>
+        <a:font script="Tibt" typeface="Microsoft Himalaya"/>
+        <a:font script="Thaa" typeface="MV Boli"/>
+        <a:font script="Deva" typeface="Mangal"/>
+        <a:font script="Telu" typeface="Gautami"/>
+        <a:font script="Taml" typeface="Latha"/>
+        <a:font script="Syrc" typeface="Estrangelo Edessa"/>
+        <a:font script="Orya" typeface="Kalinga"/>
+        <a:font script="Mlym" typeface="Kartika"/>
+        <a:font script="Laoo" typeface="DokChampa"/>
+        <a:font script="Sinh" typeface="Iskoola Pota"/>
+        <a:font script="Mong" typeface="Mongolian Baiti"/>
+        <a:font script="Viet" typeface="Times New Roman"/>
+        <a:font script="Uigh" typeface="Microsoft Uighur"/>
+        <a:font script="Geor" typeface="Sylfaen"/>
+        <a:font script="Armn" typeface="Arial"/>
+        <a:font script="Bugi" typeface="Leelawadee UI"/>
+        <a:font script="Bopo" typeface="Microsoft JhengHei"/>
+        <a:font script="Java" typeface="Javanese Text"/>
+        <a:font script="Lisu" typeface="Segoe UI"/>
+        <a:font script="Mymr" typeface="Myanmar Text"/>
+        <a:font script="Nkoo" typeface="Ebrima"/>
+        <a:font script="Olck" typeface="Nirmala UI"/>
+        <a:font script="Osma" typeface="Ebrima"/>
+        <a:font script="Phag" typeface="Phagspa"/>
+        <a:font script="Syrn" typeface="Estrangelo Edessa"/>
+        <a:font script="Syrj" typeface="Estrangelo Edessa"/>
+        <a:font script="Syre" typeface="Estrangelo Edessa"/>
+        <a:font script="Sora" typeface="Nirmala UI"/>
+        <a:font script="Tale" typeface="Microsoft Tai Le"/>
+        <a:font script="Talu" typeface="Microsoft New Tai Lue"/>
+        <a:font script="Tfng" typeface="Ebrima"/>
+      </a:majorFont>
+      <a:minorFont>
+        <a:latin typeface="Calibri" panose="020F0502020204030204"/>
+        <a:ea typeface=""/>
+        <a:cs typeface=""/>
+        <a:font script="Jpan" typeface="游ゴシック"/>
+        <a:font script="Hang" typeface="맑은 고딕"/>
+        <a:font script="Hans" typeface="等线"/>
+        <a:font script="Hant" typeface="新細明體"/>
+        <a:font script="Arab" typeface="Arial"/>
+        <a:font script="Hebr" typeface="Arial"/>
+        <a:font script="Thai" typeface="Cordia New"/>
+        <a:font script="Ethi" typeface="Nyala"/>
+        <a:font script="Beng" typeface="Vrinda"/>
+        <a:font script="Gujr" typeface="Shruti"/>
+        <a:font script="Khmr" typeface="DaunPenh"/>
+        <a:font script="Knda" typeface="Tunga"/>
+        <a:font script="Guru" typeface="Raavi"/>
+        <a:font script="Cans" typeface="Euphemia"/>
+        <a:font script="Cher" typeface="Plantagenet Cherokee"/>
+        <a:font script="Yiii" typeface="Microsoft Yi Baiti"/>
+        <a:font script="Tibt" typeface="Microsoft Himalaya"/>
+        <a:font script="Thaa" typeface="MV Boli"/>
+        <a:font script="Deva" typeface="Mangal"/>
+        <a:font script="Telu" typeface="Gautami"/>
+        <a:font script="Taml" typeface="Latha"/>
+        <a:font script="Syrc" typeface="Estrangelo Edessa"/>
+        <a:font script="Orya" typeface="Kalinga"/>
+        <a:font script="Mlym" typeface="Kartika"/>
+        <a:font script="Laoo" typeface="DokChampa"/>
+        <a:font script="Sinh" typeface="Iskoola Pota"/>
+        <a:font script="Mong" typeface="Mongolian Baiti"/>
+        <a:font script="Viet" typeface="Arial"/>
+        <a:font script="Uigh" typeface="Microsoft Uighur"/>
+        <a:font script="Geor" typeface="Sylfaen"/>
+        <a:font script="Armn" typeface="Arial"/>
+        <a:font script="Bugi" typeface="Leelawadee UI"/>
+        <a:font script="Bopo" typeface="Microsoft JhengHei"/>
+        <a:font script="Java" typeface="Javanese Text"/>
+        <a:font script="Lisu" typeface="Segoe UI"/>
+        <a:font script="Mymr" typeface="Myanmar Text"/>
+        <a:font script="Nkoo" typeface="Ebrima"/>
+        <a:font script="Olck" typeface="Nirmala UI"/>
+        <a:font script="Osma" typeface="Ebrima"/>
+        <a:font script="Phag" typeface="Phagspa"/>
+        <a:font script="Syrn" typeface="Estrangelo Edessa"/>
+        <a:font script="Syrj" typeface="Estrangelo Edessa"/>
+        <a:font script="Syre" typeface="Estrangelo Edessa"/>
+        <a:font script="Sora" typeface="Nirmala UI"/>
+        <a:font script="Tale" typeface="Microsoft Tai Le"/>
+        <a:font script="Talu" typeface="Microsoft New Tai Lue"/>
+        <a:font script="Tfng" typeface="Ebrima"/>
+      </a:minorFont>
+    </a:fontScheme>
+    <a:fmtScheme name="Office">
+      <a:fillStyleLst>
+        <a:solidFill>
+          <a:schemeClr val="phClr"/>
+        </a:solidFill>
+        <a:gradFill rotWithShape="1">
+          <a:gsLst>
+            <a:gs pos="0">
+              <a:schemeClr val="phClr">
+                <a:lumMod val="110000"/>
+                <a:satMod val="105000"/>
+                <a:tint val="67000"/>
+              </a:schemeClr>
+            </a:gs>
+            <a:gs pos="50000">
+              <a:schemeClr val="phClr">
+                <a:lumMod val="105000"/>
+                <a:satMod val="103000"/>
+                <a:tint val="73000"/>
+              </a:schemeClr>
+            </a:gs>
+            <a:gs pos="100000">
+              <a:schemeClr val="phClr">
+                <a:lumMod val="105000"/>
+                <a:satMod val="109000"/>
+                <a:tint val="81000"/>
+              </a:schemeClr>
+            </a:gs>
+          </a:gsLst>
+          <a:lin ang="5400000" scaled="0"/>
+        </a:gradFill>
+        <a:gradFill rotWithShape="1">
+          <a:gsLst>
+            <a:gs pos="0">
+              <a:schemeClr val="phClr">
+                <a:satMod val="103000"/>
+                <a:lumMod val="102000"/>
+                <a:tint val="94000"/>
+              </a:schemeClr>
+            </a:gs>
+            <a:gs pos="50000">
+              <a:schemeClr val="phClr">
+                <a:satMod val="110000"/>
+                <a:lumMod val="100000"/>
+                <a:shade val="100000"/>
+              </a:schemeClr>
+            </a:gs>
+            <a:gs pos="100000">
+              <a:schemeClr val="phClr">
+                <a:lumMod val="99000"/>
+                <a:satMod val="120000"/>
+                <a:shade val="78000"/>
+              </a:schemeClr>
+            </a:gs>
+          </a:gsLst>
+          <a:lin ang="5400000" scaled="0"/>
+        </a:gradFill>
+      </a:fillStyleLst>
+      <a:lnStyleLst>
+        <a:ln w="6350" cap="flat" cmpd="sng" algn="ctr">
+          <a:solidFill>
+            <a:schemeClr val="phClr"/>
+          </a:solidFill>
+          <a:prstDash val="solid"/>
+          <a:miter lim="800000"/>
+        </a:ln>
+        <a:ln w="12700" cap="flat" cmpd="sng" algn="ctr">
+          <a:solidFill>
+            <a:schemeClr val="phClr"/>
+          </a:solidFill>
+          <a:prstDash val="solid"/>
+          <a:miter lim="800000"/>
+        </a:ln>
+        <a:ln w="19050" cap="flat" cmpd="sng" algn="ctr">
+          <a:solidFill>
+            <a:schemeClr val="phClr"/>
+          </a:solidFill>
+          <a:prstDash val="solid"/>
+          <a:miter lim="800000"/>
+        </a:ln>
+      </a:lnStyleLst>
+      <a:effectStyleLst>
+        <a:effectStyle>
+          <a:effectLst/>
+        </a:effectStyle>
+        <a:effectStyle>
+          <a:effectLst/>
+        </a:effectStyle>
+        <a:effectStyle>
+          <a:effectLst>
+            <a:outerShdw blurRad="57150" dist="19050" dir="5400000" algn="ctr" rotWithShape="0">
+              <a:srgbClr val="000000">
+                <a:alpha val="63000"/>
+              </a:srgbClr>
+            </a:outerShdw>
+          </a:effectLst>
+        </a:effectStyle>
+      </a:effectStyleLst>
+      <a:bgFillStyleLst>
+        <a:solidFill>
+          <a:schemeClr val="phClr"/>
+        </a:solidFill>
+        <a:solidFill>
+          <a:schemeClr val="phClr">
+            <a:tint val="95000"/>
+            <a:satMod val="170000"/>
+          </a:schemeClr>
+        </a:solidFill>
+        <a:gradFill rotWithShape="1">
+          <a:gsLst>
+            <a:gs pos="0">
+              <a:schemeClr val="phClr">
+                <a:tint val="93000"/>
+                <a:satMod val="150000"/>
+                <a:shade val="98000"/>
+                <a:lumMod val="102000"/>
+              </a:schemeClr>
+            </a:gs>
+            <a:gs pos="50000">
+              <a:schemeClr val="phClr">
+                <a:tint val="98000"/>
+                <a:satMod val="130000"/>
+                <a:shade val="90000"/>
+                <a:lumMod val="103000"/>
+              </a:schemeClr>
+            </a:gs>
+            <a:gs pos="100000">
+              <a:schemeClr val="phClr">
+                <a:shade val="63000"/>
+                <a:satMod val="120000"/>
+              </a:schemeClr>
+            </a:gs>
+          </a:gsLst>
+          <a:lin ang="5400000" scaled="0"/>
+        </a:gradFill>
+      </a:bgFillStyleLst>
+    </a:fmtScheme>
+  </a:themeElements>
+  <a:objectDefaults/>
+  <a:extraClrSchemeLst/>
+  <a:extLst>
+    <a:ext uri="{05A4C25C-085E-4340-85A3-A5531E510DB2}">
+      <thm15:themeFamily xmlns:thm15="http://schemas.microsoft.com/office/thememl/2012/main" name="Office Theme" id="{62F939B6-93AF-4DB8-9C6B-D6C7DFDC589F}" vid="{4A3C46E8-61CC-4603-A589-7422A47A8E4A}"/>
+    </a:ext>
+  </a:extLst>
+</a:theme>
 </file>